--- a/Apresentação.pptx
+++ b/Apresentação.pptx
@@ -5,15 +5,18 @@
     <p:sldMasterId id="2147483766" r:id="rId1"/>
   </p:sldMasterIdLst>
   <p:notesMasterIdLst>
-    <p:notesMasterId r:id="rId8"/>
+    <p:notesMasterId r:id="rId11"/>
   </p:notesMasterIdLst>
   <p:sldIdLst>
     <p:sldId id="256" r:id="rId2"/>
     <p:sldId id="257" r:id="rId3"/>
     <p:sldId id="258" r:id="rId4"/>
-    <p:sldId id="259" r:id="rId5"/>
-    <p:sldId id="260" r:id="rId6"/>
-    <p:sldId id="261" r:id="rId7"/>
+    <p:sldId id="262" r:id="rId5"/>
+    <p:sldId id="263" r:id="rId6"/>
+    <p:sldId id="259" r:id="rId7"/>
+    <p:sldId id="260" r:id="rId8"/>
+    <p:sldId id="261" r:id="rId9"/>
+    <p:sldId id="264" r:id="rId10"/>
   </p:sldIdLst>
   <p:sldSz cx="12192000" cy="6858000"/>
   <p:notesSz cx="6858000" cy="9144000"/>
@@ -112,6 +115,11 @@
       </a:defRPr>
     </a:lvl9pPr>
   </p:defaultTextStyle>
+  <p:extLst>
+    <p:ext uri="{EFAFB233-063F-42B5-8137-9DF3F51BA10A}">
+      <p15:sldGuideLst xmlns:p15="http://schemas.microsoft.com/office/powerpoint/2012/main"/>
+    </p:ext>
+  </p:extLst>
 </p:presentation>
 </file>
 
@@ -2790,7 +2798,7 @@
           <a:p>
             <a:fld id="{C898B6DF-180F-4701-8E6B-DBD45FB8F00D}" type="datetimeFigureOut">
               <a:rPr lang="en-GB" smtClean="0"/>
-              <a:t>08/04/2021</a:t>
+              <a:t>09/04/2021</a:t>
             </a:fld>
             <a:endParaRPr lang="en-GB"/>
           </a:p>
@@ -2949,7 +2957,7 @@
           <a:p>
             <a:fld id="{FBE41520-2DDE-4B38-8129-A85E52256D1C}" type="slidenum">
               <a:rPr lang="en-GB" smtClean="0"/>
-              <a:t>‹#›</a:t>
+              <a:t>‹nº›</a:t>
             </a:fld>
             <a:endParaRPr lang="en-GB"/>
           </a:p>
@@ -3323,7 +3331,7 @@
           <a:p>
             <a:fld id="{12241623-A064-4BED-B073-BA4D61433402}" type="datetime1">
               <a:rPr lang="en-US" smtClean="0"/>
-              <a:t>4/8/2021</a:t>
+              <a:t>4/9/2021</a:t>
             </a:fld>
             <a:endParaRPr lang="en-US" dirty="0"/>
           </a:p>
@@ -3366,7 +3374,7 @@
             <a:fld id="{FAEF9944-A4F6-4C59-AEBD-678D6480B8EA}" type="slidenum">
               <a:rPr lang="en-US" smtClean="0"/>
               <a:pPr/>
-              <a:t>‹#›</a:t>
+              <a:t>‹nº›</a:t>
             </a:fld>
             <a:endParaRPr lang="en-US" dirty="0"/>
           </a:p>
@@ -3494,7 +3502,7 @@
           <a:p>
             <a:fld id="{6F86ED0C-1DA7-41F0-94CF-6218B1FEDFF1}" type="datetime1">
               <a:rPr lang="en-US" smtClean="0"/>
-              <a:t>4/8/2021</a:t>
+              <a:t>4/9/2021</a:t>
             </a:fld>
             <a:endParaRPr lang="en-US" dirty="0"/>
           </a:p>
@@ -3538,7 +3546,7 @@
             <a:fld id="{FAEF9944-A4F6-4C59-AEBD-678D6480B8EA}" type="slidenum">
               <a:rPr lang="en-US" smtClean="0"/>
               <a:pPr algn="l"/>
-              <a:t>‹#›</a:t>
+              <a:t>‹nº›</a:t>
             </a:fld>
             <a:endParaRPr lang="en-US" dirty="0"/>
           </a:p>
@@ -3719,7 +3727,7 @@
           <a:p>
             <a:fld id="{EECF02AB-6034-4B88-BC5A-7C17CB0EF809}" type="datetime1">
               <a:rPr lang="en-US" smtClean="0"/>
-              <a:t>4/8/2021</a:t>
+              <a:t>4/9/2021</a:t>
             </a:fld>
             <a:endParaRPr lang="en-US" dirty="0"/>
           </a:p>
@@ -3772,7 +3780,7 @@
             <a:fld id="{FAEF9944-A4F6-4C59-AEBD-678D6480B8EA}" type="slidenum">
               <a:rPr lang="en-US" smtClean="0"/>
               <a:pPr/>
-              <a:t>‹#›</a:t>
+              <a:t>‹nº›</a:t>
             </a:fld>
             <a:endParaRPr lang="en-US" dirty="0"/>
           </a:p>
@@ -3900,7 +3908,7 @@
           <a:p>
             <a:fld id="{22F3E5F3-28EE-488F-BD53-B744C06C3DEC}" type="datetime1">
               <a:rPr lang="en-US" smtClean="0"/>
-              <a:t>4/8/2021</a:t>
+              <a:t>4/9/2021</a:t>
             </a:fld>
             <a:endParaRPr lang="en-US" dirty="0"/>
           </a:p>
@@ -3944,7 +3952,7 @@
             <a:fld id="{FAEF9944-A4F6-4C59-AEBD-678D6480B8EA}" type="slidenum">
               <a:rPr lang="en-US" smtClean="0"/>
               <a:pPr algn="l"/>
-              <a:t>‹#›</a:t>
+              <a:t>‹nº›</a:t>
             </a:fld>
             <a:endParaRPr lang="en-US" dirty="0"/>
           </a:p>
@@ -4208,7 +4216,7 @@
           <a:p>
             <a:fld id="{E72EB70D-CD01-44DA-83B3-8FEB3383D307}" type="datetime1">
               <a:rPr lang="en-US" smtClean="0"/>
-              <a:t>4/8/2021</a:t>
+              <a:t>4/9/2021</a:t>
             </a:fld>
             <a:endParaRPr lang="en-US" dirty="0"/>
           </a:p>
@@ -4268,7 +4276,7 @@
             <a:fld id="{FAEF9944-A4F6-4C59-AEBD-678D6480B8EA}" type="slidenum">
               <a:rPr lang="en-US" smtClean="0"/>
               <a:pPr algn="l"/>
-              <a:t>‹#›</a:t>
+              <a:t>‹nº›</a:t>
             </a:fld>
             <a:endParaRPr lang="en-US" dirty="0"/>
           </a:p>
@@ -4514,7 +4522,7 @@
           <a:p>
             <a:fld id="{D0158CFD-9357-46BE-A189-D637A67C8730}" type="datetime1">
               <a:rPr lang="en-US" smtClean="0"/>
-              <a:t>4/8/2021</a:t>
+              <a:t>4/9/2021</a:t>
             </a:fld>
             <a:endParaRPr lang="en-US" dirty="0"/>
           </a:p>
@@ -4558,7 +4566,7 @@
             <a:fld id="{FAEF9944-A4F6-4C59-AEBD-678D6480B8EA}" type="slidenum">
               <a:rPr lang="en-US" smtClean="0"/>
               <a:pPr algn="l"/>
-              <a:t>‹#›</a:t>
+              <a:t>‹nº›</a:t>
             </a:fld>
             <a:endParaRPr lang="en-US" dirty="0"/>
           </a:p>
@@ -4938,7 +4946,7 @@
           <a:p>
             <a:fld id="{7B4742EE-B331-4632-BD10-A82FED6B6FC0}" type="datetime1">
               <a:rPr lang="en-US" smtClean="0"/>
-              <a:t>4/8/2021</a:t>
+              <a:t>4/9/2021</a:t>
             </a:fld>
             <a:endParaRPr lang="en-US" dirty="0"/>
           </a:p>
@@ -4982,7 +4990,7 @@
             <a:fld id="{FAEF9944-A4F6-4C59-AEBD-678D6480B8EA}" type="slidenum">
               <a:rPr lang="en-US" smtClean="0"/>
               <a:pPr algn="l"/>
-              <a:t>‹#›</a:t>
+              <a:t>‹nº›</a:t>
             </a:fld>
             <a:endParaRPr lang="en-US" dirty="0"/>
           </a:p>
@@ -5058,7 +5066,7 @@
           <a:p>
             <a:fld id="{451BA835-D13F-49F4-8F11-5D576AC65FAD}" type="datetime1">
               <a:rPr lang="en-US" smtClean="0"/>
-              <a:t>4/8/2021</a:t>
+              <a:t>4/9/2021</a:t>
             </a:fld>
             <a:endParaRPr lang="en-US" dirty="0"/>
           </a:p>
@@ -5102,7 +5110,7 @@
             <a:fld id="{FAEF9944-A4F6-4C59-AEBD-678D6480B8EA}" type="slidenum">
               <a:rPr lang="en-US" smtClean="0"/>
               <a:pPr algn="l"/>
-              <a:t>‹#›</a:t>
+              <a:t>‹nº›</a:t>
             </a:fld>
             <a:endParaRPr lang="en-US" dirty="0"/>
           </a:p>
@@ -5155,7 +5163,7 @@
           <a:p>
             <a:fld id="{ADBD1799-ACB5-4CB2-86A2-5C574F1C8706}" type="datetime1">
               <a:rPr lang="en-US" smtClean="0"/>
-              <a:t>4/8/2021</a:t>
+              <a:t>4/9/2021</a:t>
             </a:fld>
             <a:endParaRPr lang="en-US" dirty="0"/>
           </a:p>
@@ -5199,7 +5207,7 @@
             <a:fld id="{FAEF9944-A4F6-4C59-AEBD-678D6480B8EA}" type="slidenum">
               <a:rPr lang="en-US" smtClean="0"/>
               <a:pPr algn="l"/>
-              <a:t>‹#›</a:t>
+              <a:t>‹nº›</a:t>
             </a:fld>
             <a:endParaRPr lang="en-US" dirty="0"/>
           </a:p>
@@ -5430,7 +5438,7 @@
           <a:p>
             <a:fld id="{ED5DD0D6-7A82-473E-879B-C6ECD6CCCFEC}" type="datetime1">
               <a:rPr lang="en-US" smtClean="0"/>
-              <a:t>4/8/2021</a:t>
+              <a:t>4/9/2021</a:t>
             </a:fld>
             <a:endParaRPr lang="en-US" dirty="0"/>
           </a:p>
@@ -5474,7 +5482,7 @@
             <a:fld id="{FAEF9944-A4F6-4C59-AEBD-678D6480B8EA}" type="slidenum">
               <a:rPr lang="en-US" smtClean="0"/>
               <a:pPr algn="l"/>
-              <a:t>‹#›</a:t>
+              <a:t>‹nº›</a:t>
             </a:fld>
             <a:endParaRPr lang="en-US" dirty="0"/>
           </a:p>
@@ -5697,7 +5705,7 @@
           <a:p>
             <a:fld id="{D4605E03-BC17-41A7-854C-DFAB672737DC}" type="datetime1">
               <a:rPr lang="en-US" smtClean="0"/>
-              <a:t>4/8/2021</a:t>
+              <a:t>4/9/2021</a:t>
             </a:fld>
             <a:endParaRPr lang="en-US" dirty="0"/>
           </a:p>
@@ -5741,7 +5749,7 @@
             <a:fld id="{FAEF9944-A4F6-4C59-AEBD-678D6480B8EA}" type="slidenum">
               <a:rPr lang="en-US" smtClean="0"/>
               <a:pPr algn="l"/>
-              <a:t>‹#›</a:t>
+              <a:t>‹nº›</a:t>
             </a:fld>
             <a:endParaRPr lang="en-US" dirty="0"/>
           </a:p>
@@ -5948,7 +5956,7 @@
           <a:p>
             <a:fld id="{C4408324-A84C-4A45-93B6-78D079CCE772}" type="datetime1">
               <a:rPr lang="en-US" smtClean="0"/>
-              <a:t>4/8/2021</a:t>
+              <a:t>4/9/2021</a:t>
             </a:fld>
             <a:endParaRPr lang="en-US" dirty="0"/>
           </a:p>
@@ -6024,7 +6032,7 @@
             <a:fld id="{FAEF9944-A4F6-4C59-AEBD-678D6480B8EA}" type="slidenum">
               <a:rPr lang="en-US" smtClean="0"/>
               <a:pPr algn="l"/>
-              <a:t>‹#›</a:t>
+              <a:t>‹nº›</a:t>
             </a:fld>
             <a:endParaRPr lang="en-US" dirty="0"/>
           </a:p>
@@ -6960,10 +6968,17 @@
           <a:lstStyle/>
           <a:p>
             <a:r>
-              <a:rPr lang="en-US" dirty="0" err="1"/>
-              <a:t>fdosas</a:t>
-            </a:r>
-            <a:endParaRPr lang="en-GB" dirty="0"/>
+              <a:rPr lang="pt-PT" dirty="0"/>
+              <a:t>Neste projeto pretendemos desenvolver uma aplicação de leilões online onde os dados irão ser guardados numa base de dados. A interação com o utilizador irá ser efetuada com recurso a uma API desenvolvida em </a:t>
+            </a:r>
+            <a:r>
+              <a:rPr lang="pt-PT" dirty="0" err="1"/>
+              <a:t>Python</a:t>
+            </a:r>
+            <a:r>
+              <a:rPr lang="pt-PT" dirty="0"/>
+              <a:t> a ser executada sobre a base de dados. Os utilizadores poderão criar leilões para venda de artigos ou licitar noutros leilões em decurso.</a:t>
+            </a:r>
           </a:p>
         </p:txBody>
       </p:sp>
@@ -6999,10 +7014,10 @@
       </p:grpSpPr>
       <p:sp>
         <p:nvSpPr>
-          <p:cNvPr id="2" name="Title 1">
+          <p:cNvPr id="2" name="Título 1">
             <a:extLst>
               <a:ext uri="{FF2B5EF4-FFF2-40B4-BE49-F238E27FC236}">
-                <a16:creationId xmlns:a16="http://schemas.microsoft.com/office/drawing/2014/main" id="{51DD0710-75AE-4ECB-A71A-413661B56C9F}"/>
+                <a16:creationId xmlns:a16="http://schemas.microsoft.com/office/drawing/2014/main" id="{9263FB74-DE69-4318-AC9D-663DADBDDA7D}"/>
               </a:ext>
             </a:extLst>
           </p:cNvPr>
@@ -7019,18 +7034,19 @@
           <a:lstStyle/>
           <a:p>
             <a:r>
-              <a:rPr lang="en-GB" dirty="0"/>
-              <a:t>Core technologies</a:t>
-            </a:r>
-          </a:p>
-        </p:txBody>
-      </p:sp>
-      <p:sp>
-        <p:nvSpPr>
-          <p:cNvPr id="3" name="Content Placeholder 2">
+              <a:rPr lang="pt-PT"/>
+              <a:t>Operações</a:t>
+            </a:r>
+            <a:endParaRPr lang="pt-PT" dirty="0"/>
+          </a:p>
+        </p:txBody>
+      </p:sp>
+      <p:sp>
+        <p:nvSpPr>
+          <p:cNvPr id="3" name="Marcador de Posição de Conteúdo 2">
             <a:extLst>
               <a:ext uri="{FF2B5EF4-FFF2-40B4-BE49-F238E27FC236}">
-                <a16:creationId xmlns:a16="http://schemas.microsoft.com/office/drawing/2014/main" id="{F37072B6-925D-4CF8-B46C-20BEE700B2EE}"/>
+                <a16:creationId xmlns:a16="http://schemas.microsoft.com/office/drawing/2014/main" id="{631A555E-4649-4448-B59D-8386037804C0}"/>
               </a:ext>
             </a:extLst>
           </p:cNvPr>
@@ -7046,14 +7062,81 @@
           <a:bodyPr/>
           <a:lstStyle/>
           <a:p>
-            <a:endParaRPr lang="en-GB" dirty="0"/>
+            <a:r>
+              <a:rPr lang="pt-PT"/>
+              <a:t>As operações disponíveis para o utilizador são:</a:t>
+            </a:r>
+          </a:p>
+          <a:p>
+            <a:pPr lvl="1"/>
+            <a:r>
+              <a:rPr lang="pt-PT"/>
+              <a:t>Registo e autenticação no servidor;</a:t>
+            </a:r>
+          </a:p>
+          <a:p>
+            <a:pPr lvl="1"/>
+            <a:r>
+              <a:rPr lang="pt-PT"/>
+              <a:t>Criar leilão para venda de artigo;</a:t>
+            </a:r>
+          </a:p>
+          <a:p>
+            <a:pPr lvl="1"/>
+            <a:r>
+              <a:rPr lang="pt-PT"/>
+              <a:t>Visualizar leilões existentes;</a:t>
+            </a:r>
+          </a:p>
+          <a:p>
+            <a:pPr lvl="1"/>
+            <a:r>
+              <a:rPr lang="pt-PT"/>
+              <a:t>Pesquisar leilões por artigo;</a:t>
+            </a:r>
+          </a:p>
+          <a:p>
+            <a:pPr lvl="1"/>
+            <a:r>
+              <a:rPr lang="pt-PT"/>
+              <a:t>Consultar detalhes de um leilão;</a:t>
+            </a:r>
+          </a:p>
+          <a:p>
+            <a:pPr lvl="1"/>
+            <a:r>
+              <a:rPr lang="pt-PT"/>
+              <a:t>Efetuar licitação num leilão;</a:t>
+            </a:r>
+          </a:p>
+          <a:p>
+            <a:pPr lvl="1"/>
+            <a:r>
+              <a:rPr lang="pt-PT"/>
+              <a:t>Visualizar todos os leilões que o utilizador participa;</a:t>
+            </a:r>
+          </a:p>
+          <a:p>
+            <a:pPr lvl="1"/>
+            <a:r>
+              <a:rPr lang="pt-PT"/>
+              <a:t>Editar leilão (vendedor apenas, histórico ficará guardado);</a:t>
+            </a:r>
+          </a:p>
+          <a:p>
+            <a:pPr lvl="1"/>
+            <a:r>
+              <a:rPr lang="pt-PT"/>
+              <a:t>Mandar mensagem ao vendedor.</a:t>
+            </a:r>
+            <a:endParaRPr lang="pt-PT" dirty="0"/>
           </a:p>
         </p:txBody>
       </p:sp>
     </p:spTree>
     <p:extLst>
       <p:ext uri="{BB962C8B-B14F-4D97-AF65-F5344CB8AC3E}">
-        <p14:creationId xmlns:p14="http://schemas.microsoft.com/office/powerpoint/2010/main" val="2778729409"/>
+        <p14:creationId xmlns:p14="http://schemas.microsoft.com/office/powerpoint/2010/main" val="475714841"/>
       </p:ext>
     </p:extLst>
   </p:cSld>
@@ -7082,10 +7165,10 @@
       </p:grpSpPr>
       <p:sp>
         <p:nvSpPr>
-          <p:cNvPr id="2" name="Title 1">
+          <p:cNvPr id="2" name="Título 1">
             <a:extLst>
               <a:ext uri="{FF2B5EF4-FFF2-40B4-BE49-F238E27FC236}">
-                <a16:creationId xmlns:a16="http://schemas.microsoft.com/office/drawing/2014/main" id="{8B300776-9D30-4903-9887-247269051F53}"/>
+                <a16:creationId xmlns:a16="http://schemas.microsoft.com/office/drawing/2014/main" id="{34B5AB49-1E82-4231-B3FC-AB127A6CAFF6}"/>
               </a:ext>
             </a:extLst>
           </p:cNvPr>
@@ -7102,18 +7185,18 @@
           <a:lstStyle/>
           <a:p>
             <a:r>
-              <a:rPr lang="en-GB" dirty="0"/>
-              <a:t>Development plan</a:t>
-            </a:r>
-          </a:p>
-        </p:txBody>
-      </p:sp>
-      <p:sp>
-        <p:nvSpPr>
-          <p:cNvPr id="3" name="Content Placeholder 2">
+              <a:rPr lang="pt-PT" dirty="0"/>
+              <a:t>conflitos</a:t>
+            </a:r>
+          </a:p>
+        </p:txBody>
+      </p:sp>
+      <p:sp>
+        <p:nvSpPr>
+          <p:cNvPr id="3" name="Marcador de Posição de Conteúdo 2">
             <a:extLst>
               <a:ext uri="{FF2B5EF4-FFF2-40B4-BE49-F238E27FC236}">
-                <a16:creationId xmlns:a16="http://schemas.microsoft.com/office/drawing/2014/main" id="{99C3D682-FF7D-4AA6-8D0F-79F898B64BB5}"/>
+                <a16:creationId xmlns:a16="http://schemas.microsoft.com/office/drawing/2014/main" id="{408F1BD4-B980-4F57-A379-2896945CAAF6}"/>
               </a:ext>
             </a:extLst>
           </p:cNvPr>
@@ -7129,14 +7212,52 @@
           <a:bodyPr/>
           <a:lstStyle/>
           <a:p>
-            <a:endParaRPr lang="en-GB"/>
+            <a:pPr marL="0" indent="0">
+              <a:buNone/>
+            </a:pPr>
+            <a:r>
+              <a:rPr lang="pt-PT" dirty="0"/>
+              <a:t>Irá haver um possível conflito:</a:t>
+            </a:r>
+          </a:p>
+          <a:p>
+            <a:pPr lvl="1"/>
+            <a:r>
+              <a:rPr lang="pt-PT" dirty="0"/>
+              <a:t>Vários utilizadores licitarem o mesmo;</a:t>
+            </a:r>
+          </a:p>
+          <a:p>
+            <a:pPr lvl="1"/>
+            <a:endParaRPr lang="pt-PT" dirty="0"/>
+          </a:p>
+          <a:p>
+            <a:pPr marL="0" indent="0">
+              <a:buNone/>
+            </a:pPr>
+            <a:r>
+              <a:rPr lang="pt-PT" dirty="0"/>
+              <a:t>Para resolver o conflito irá ser necessário criar uma transação sempre que um utilizador desejar licitar num determinado leilão.</a:t>
+            </a:r>
+          </a:p>
+          <a:p>
+            <a:pPr lvl="1"/>
+            <a:endParaRPr lang="pt-PT" dirty="0"/>
+          </a:p>
+          <a:p>
+            <a:pPr lvl="1"/>
+            <a:endParaRPr lang="pt-PT" dirty="0"/>
+          </a:p>
+          <a:p>
+            <a:pPr lvl="1"/>
+            <a:endParaRPr lang="pt-PT" dirty="0"/>
           </a:p>
         </p:txBody>
       </p:sp>
     </p:spTree>
     <p:extLst>
       <p:ext uri="{BB962C8B-B14F-4D97-AF65-F5344CB8AC3E}">
-        <p14:creationId xmlns:p14="http://schemas.microsoft.com/office/powerpoint/2010/main" val="2947950325"/>
+        <p14:creationId xmlns:p14="http://schemas.microsoft.com/office/powerpoint/2010/main" val="1589603869"/>
       </p:ext>
     </p:extLst>
   </p:cSld>
@@ -7168,6 +7289,191 @@
           <p:cNvPr id="2" name="Title 1">
             <a:extLst>
               <a:ext uri="{FF2B5EF4-FFF2-40B4-BE49-F238E27FC236}">
+                <a16:creationId xmlns:a16="http://schemas.microsoft.com/office/drawing/2014/main" id="{51DD0710-75AE-4ECB-A71A-413661B56C9F}"/>
+              </a:ext>
+            </a:extLst>
+          </p:cNvPr>
+          <p:cNvSpPr>
+            <a:spLocks noGrp="1"/>
+          </p:cNvSpPr>
+          <p:nvPr>
+            <p:ph type="title"/>
+          </p:nvPr>
+        </p:nvSpPr>
+        <p:spPr/>
+        <p:txBody>
+          <a:bodyPr/>
+          <a:lstStyle/>
+          <a:p>
+            <a:r>
+              <a:rPr lang="en-GB" dirty="0"/>
+              <a:t>Core technologies</a:t>
+            </a:r>
+          </a:p>
+        </p:txBody>
+      </p:sp>
+      <p:sp>
+        <p:nvSpPr>
+          <p:cNvPr id="3" name="Content Placeholder 2">
+            <a:extLst>
+              <a:ext uri="{FF2B5EF4-FFF2-40B4-BE49-F238E27FC236}">
+                <a16:creationId xmlns:a16="http://schemas.microsoft.com/office/drawing/2014/main" id="{F37072B6-925D-4CF8-B46C-20BEE700B2EE}"/>
+              </a:ext>
+            </a:extLst>
+          </p:cNvPr>
+          <p:cNvSpPr>
+            <a:spLocks noGrp="1"/>
+          </p:cNvSpPr>
+          <p:nvPr>
+            <p:ph idx="1"/>
+          </p:nvPr>
+        </p:nvSpPr>
+        <p:spPr/>
+        <p:txBody>
+          <a:bodyPr/>
+          <a:lstStyle/>
+          <a:p>
+            <a:r>
+              <a:rPr lang="pt-PT" dirty="0"/>
+              <a:t>A API irá ser desenvolvida em </a:t>
+            </a:r>
+            <a:r>
+              <a:rPr lang="pt-PT" dirty="0" err="1"/>
+              <a:t>Python</a:t>
+            </a:r>
+            <a:r>
+              <a:rPr lang="pt-PT" dirty="0"/>
+              <a:t> recorrendo ao módulo psycopg2 para conexão à base de dados. A base de dados irá ser gerenciada pelo software </a:t>
+            </a:r>
+            <a:r>
+              <a:rPr lang="pt-PT" dirty="0" err="1"/>
+              <a:t>PostgreSQL</a:t>
+            </a:r>
+            <a:r>
+              <a:rPr lang="pt-PT" dirty="0"/>
+              <a:t>.</a:t>
+            </a:r>
+          </a:p>
+        </p:txBody>
+      </p:sp>
+    </p:spTree>
+    <p:extLst>
+      <p:ext uri="{BB962C8B-B14F-4D97-AF65-F5344CB8AC3E}">
+        <p14:creationId xmlns:p14="http://schemas.microsoft.com/office/powerpoint/2010/main" val="2778729409"/>
+      </p:ext>
+    </p:extLst>
+  </p:cSld>
+  <p:clrMapOvr>
+    <a:masterClrMapping/>
+  </p:clrMapOvr>
+</p:sld>
+</file>
+
+<file path=ppt/slides/slide7.xml><?xml version="1.0" encoding="utf-8"?>
+<p:sld xmlns:a="http://schemas.openxmlformats.org/drawingml/2006/main" xmlns:r="http://schemas.openxmlformats.org/officeDocument/2006/relationships" xmlns:p="http://schemas.openxmlformats.org/presentationml/2006/main">
+  <p:cSld>
+    <p:spTree>
+      <p:nvGrpSpPr>
+        <p:cNvPr id="1" name=""/>
+        <p:cNvGrpSpPr/>
+        <p:nvPr/>
+      </p:nvGrpSpPr>
+      <p:grpSpPr>
+        <a:xfrm>
+          <a:off x="0" y="0"/>
+          <a:ext cx="0" cy="0"/>
+          <a:chOff x="0" y="0"/>
+          <a:chExt cx="0" cy="0"/>
+        </a:xfrm>
+      </p:grpSpPr>
+      <p:sp>
+        <p:nvSpPr>
+          <p:cNvPr id="2" name="Title 1">
+            <a:extLst>
+              <a:ext uri="{FF2B5EF4-FFF2-40B4-BE49-F238E27FC236}">
+                <a16:creationId xmlns:a16="http://schemas.microsoft.com/office/drawing/2014/main" id="{8B300776-9D30-4903-9887-247269051F53}"/>
+              </a:ext>
+            </a:extLst>
+          </p:cNvPr>
+          <p:cNvSpPr>
+            <a:spLocks noGrp="1"/>
+          </p:cNvSpPr>
+          <p:nvPr>
+            <p:ph type="title"/>
+          </p:nvPr>
+        </p:nvSpPr>
+        <p:spPr/>
+        <p:txBody>
+          <a:bodyPr/>
+          <a:lstStyle/>
+          <a:p>
+            <a:r>
+              <a:rPr lang="en-GB" dirty="0"/>
+              <a:t>Development plan</a:t>
+            </a:r>
+          </a:p>
+        </p:txBody>
+      </p:sp>
+      <p:sp>
+        <p:nvSpPr>
+          <p:cNvPr id="3" name="Content Placeholder 2">
+            <a:extLst>
+              <a:ext uri="{FF2B5EF4-FFF2-40B4-BE49-F238E27FC236}">
+                <a16:creationId xmlns:a16="http://schemas.microsoft.com/office/drawing/2014/main" id="{99C3D682-FF7D-4AA6-8D0F-79F898B64BB5}"/>
+              </a:ext>
+            </a:extLst>
+          </p:cNvPr>
+          <p:cNvSpPr>
+            <a:spLocks noGrp="1"/>
+          </p:cNvSpPr>
+          <p:nvPr>
+            <p:ph idx="1"/>
+          </p:nvPr>
+        </p:nvSpPr>
+        <p:spPr/>
+        <p:txBody>
+          <a:bodyPr/>
+          <a:lstStyle/>
+          <a:p>
+            <a:endParaRPr lang="en-GB"/>
+          </a:p>
+        </p:txBody>
+      </p:sp>
+    </p:spTree>
+    <p:extLst>
+      <p:ext uri="{BB962C8B-B14F-4D97-AF65-F5344CB8AC3E}">
+        <p14:creationId xmlns:p14="http://schemas.microsoft.com/office/powerpoint/2010/main" val="2947950325"/>
+      </p:ext>
+    </p:extLst>
+  </p:cSld>
+  <p:clrMapOvr>
+    <a:masterClrMapping/>
+  </p:clrMapOvr>
+</p:sld>
+</file>
+
+<file path=ppt/slides/slide8.xml><?xml version="1.0" encoding="utf-8"?>
+<p:sld xmlns:a="http://schemas.openxmlformats.org/drawingml/2006/main" xmlns:r="http://schemas.openxmlformats.org/officeDocument/2006/relationships" xmlns:p="http://schemas.openxmlformats.org/presentationml/2006/main">
+  <p:cSld>
+    <p:spTree>
+      <p:nvGrpSpPr>
+        <p:cNvPr id="1" name=""/>
+        <p:cNvGrpSpPr/>
+        <p:nvPr/>
+      </p:nvGrpSpPr>
+      <p:grpSpPr>
+        <a:xfrm>
+          <a:off x="0" y="0"/>
+          <a:ext cx="0" cy="0"/>
+          <a:chOff x="0" y="0"/>
+          <a:chExt cx="0" cy="0"/>
+        </a:xfrm>
+      </p:grpSpPr>
+      <p:sp>
+        <p:nvSpPr>
+          <p:cNvPr id="2" name="Title 1">
+            <a:extLst>
+              <a:ext uri="{FF2B5EF4-FFF2-40B4-BE49-F238E27FC236}">
                 <a16:creationId xmlns:a16="http://schemas.microsoft.com/office/drawing/2014/main" id="{ABEE40E1-3CF2-423F-B25C-5EAD6F6A82D4}"/>
               </a:ext>
             </a:extLst>
@@ -7192,35 +7498,138 @@
           </a:p>
         </p:txBody>
       </p:sp>
-      <p:sp>
-        <p:nvSpPr>
-          <p:cNvPr id="3" name="Content Placeholder 2">
+      <p:pic>
+        <p:nvPicPr>
+          <p:cNvPr id="5" name="Marcador de Posição de Conteúdo 4">
             <a:extLst>
               <a:ext uri="{FF2B5EF4-FFF2-40B4-BE49-F238E27FC236}">
-                <a16:creationId xmlns:a16="http://schemas.microsoft.com/office/drawing/2014/main" id="{A1CF6C00-C8FA-4DBB-A5D2-9FFE7479D9B5}"/>
+                <a16:creationId xmlns:a16="http://schemas.microsoft.com/office/drawing/2014/main" id="{F6BE48F6-18F9-475A-B32F-DE7521080BDF}"/>
               </a:ext>
             </a:extLst>
           </p:cNvPr>
-          <p:cNvSpPr>
-            <a:spLocks noGrp="1"/>
-          </p:cNvSpPr>
+          <p:cNvPicPr>
+            <a:picLocks noGrp="1" noChangeAspect="1"/>
+          </p:cNvPicPr>
           <p:nvPr>
             <p:ph idx="1"/>
           </p:nvPr>
-        </p:nvSpPr>
-        <p:spPr/>
-        <p:txBody>
-          <a:bodyPr/>
-          <a:lstStyle/>
-          <a:p>
-            <a:endParaRPr lang="en-GB"/>
-          </a:p>
-        </p:txBody>
-      </p:sp>
+        </p:nvPicPr>
+        <p:blipFill>
+          <a:blip r:embed="rId2">
+            <a:extLst>
+              <a:ext uri="{28A0092B-C50C-407E-A947-70E740481C1C}">
+                <a14:useLocalDpi xmlns:a14="http://schemas.microsoft.com/office/drawing/2010/main" val="0"/>
+              </a:ext>
+            </a:extLst>
+          </a:blip>
+          <a:stretch>
+            <a:fillRect/>
+          </a:stretch>
+        </p:blipFill>
+        <p:spPr>
+          <a:xfrm>
+            <a:off x="1203325" y="2032275"/>
+            <a:ext cx="9783763" cy="4165051"/>
+          </a:xfrm>
+        </p:spPr>
+      </p:pic>
     </p:spTree>
     <p:extLst>
       <p:ext uri="{BB962C8B-B14F-4D97-AF65-F5344CB8AC3E}">
         <p14:creationId xmlns:p14="http://schemas.microsoft.com/office/powerpoint/2010/main" val="1600242738"/>
+      </p:ext>
+    </p:extLst>
+  </p:cSld>
+  <p:clrMapOvr>
+    <a:masterClrMapping/>
+  </p:clrMapOvr>
+</p:sld>
+</file>
+
+<file path=ppt/slides/slide9.xml><?xml version="1.0" encoding="utf-8"?>
+<p:sld xmlns:a="http://schemas.openxmlformats.org/drawingml/2006/main" xmlns:r="http://schemas.openxmlformats.org/officeDocument/2006/relationships" xmlns:p="http://schemas.openxmlformats.org/presentationml/2006/main">
+  <p:cSld>
+    <p:spTree>
+      <p:nvGrpSpPr>
+        <p:cNvPr id="1" name=""/>
+        <p:cNvGrpSpPr/>
+        <p:nvPr/>
+      </p:nvGrpSpPr>
+      <p:grpSpPr>
+        <a:xfrm>
+          <a:off x="0" y="0"/>
+          <a:ext cx="0" cy="0"/>
+          <a:chOff x="0" y="0"/>
+          <a:chExt cx="0" cy="0"/>
+        </a:xfrm>
+      </p:grpSpPr>
+      <p:sp>
+        <p:nvSpPr>
+          <p:cNvPr id="2" name="Título 1">
+            <a:extLst>
+              <a:ext uri="{FF2B5EF4-FFF2-40B4-BE49-F238E27FC236}">
+                <a16:creationId xmlns:a16="http://schemas.microsoft.com/office/drawing/2014/main" id="{C1A4E7E8-B0AF-4B3F-AC39-639C4983EEAA}"/>
+              </a:ext>
+            </a:extLst>
+          </p:cNvPr>
+          <p:cNvSpPr>
+            <a:spLocks noGrp="1"/>
+          </p:cNvSpPr>
+          <p:nvPr>
+            <p:ph type="title"/>
+          </p:nvPr>
+        </p:nvSpPr>
+        <p:spPr/>
+        <p:txBody>
+          <a:bodyPr/>
+          <a:lstStyle/>
+          <a:p>
+            <a:r>
+              <a:rPr lang="pt-PT" dirty="0"/>
+              <a:t>Tabelas</a:t>
+            </a:r>
+          </a:p>
+        </p:txBody>
+      </p:sp>
+      <p:pic>
+        <p:nvPicPr>
+          <p:cNvPr id="5" name="Marcador de Posição de Conteúdo 4">
+            <a:extLst>
+              <a:ext uri="{FF2B5EF4-FFF2-40B4-BE49-F238E27FC236}">
+                <a16:creationId xmlns:a16="http://schemas.microsoft.com/office/drawing/2014/main" id="{77FE2AFC-9676-4E8F-9AF6-8864603AA272}"/>
+              </a:ext>
+            </a:extLst>
+          </p:cNvPr>
+          <p:cNvPicPr>
+            <a:picLocks noGrp="1" noChangeAspect="1"/>
+          </p:cNvPicPr>
+          <p:nvPr>
+            <p:ph idx="1"/>
+          </p:nvPr>
+        </p:nvPicPr>
+        <p:blipFill>
+          <a:blip r:embed="rId2">
+            <a:extLst>
+              <a:ext uri="{28A0092B-C50C-407E-A947-70E740481C1C}">
+                <a14:useLocalDpi xmlns:a14="http://schemas.microsoft.com/office/drawing/2010/main" val="0"/>
+              </a:ext>
+            </a:extLst>
+          </a:blip>
+          <a:stretch>
+            <a:fillRect/>
+          </a:stretch>
+        </p:blipFill>
+        <p:spPr>
+          <a:xfrm>
+            <a:off x="1203325" y="2077032"/>
+            <a:ext cx="9783763" cy="4075537"/>
+          </a:xfrm>
+        </p:spPr>
+      </p:pic>
+    </p:spTree>
+    <p:extLst>
+      <p:ext uri="{BB962C8B-B14F-4D97-AF65-F5344CB8AC3E}">
+        <p14:creationId xmlns:p14="http://schemas.microsoft.com/office/powerpoint/2010/main" val="2684473693"/>
       </p:ext>
     </p:extLst>
   </p:cSld>
